--- a/DATA ANALYSYS USING EXCEL PPT.pptx
+++ b/DATA ANALYSYS USING EXCEL PPT.pptx
@@ -3818,7 +3818,15 @@
           <a:p>
             <a:r>
               <a:rPr lang="en-US" sz="2400" dirty="0"/>
-              <a:t>REGISTER NO:   </a:t>
+              <a:t>REGISTER NO:</a:t>
+            </a:r>
+            <a:r>
+              <a:rPr lang="en-US" sz="2400" dirty="0">
+                <a:solidFill>
+                  <a:srgbClr val="FF0000"/>
+                </a:solidFill>
+              </a:rPr>
+              <a:t>   asunm110122200182</a:t>
             </a:r>
           </a:p>
           <a:p>

--- a/DATA ANALYSYS USING EXCEL PPT.pptx
+++ b/DATA ANALYSYS USING EXCEL PPT.pptx
@@ -168,868 +168,6 @@
 </pc:chgInfo>
 </file>
 
-<file path=ppt/charts/chart1.xml><?xml version="1.0" encoding="utf-8"?>
-<c:chartSpace xmlns:c="http://schemas.openxmlformats.org/drawingml/2006/chart" xmlns:a="http://schemas.openxmlformats.org/drawingml/2006/main" xmlns:r="http://schemas.openxmlformats.org/officeDocument/2006/relationships" xmlns:c16r2="http://schemas.microsoft.com/office/drawing/2015/06/chart">
-  <c:date1904 val="0"/>
-  <c:lang val="en-US"/>
-  <c:roundedCorners val="0"/>
-  <mc:AlternateContent xmlns:mc="http://schemas.openxmlformats.org/markup-compatibility/2006">
-    <mc:Choice xmlns:c14="http://schemas.microsoft.com/office/drawing/2007/8/2/chart" Requires="c14">
-      <c14:style val="134"/>
-    </mc:Choice>
-    <mc:Fallback>
-      <c:style val="34"/>
-    </mc:Fallback>
-  </mc:AlternateContent>
-  <c:pivotSource>
-    <c:name>[EMPLOYEE DATA SET.xlsx]sheet 2!PivotTable1</c:name>
-    <c:fmtId val="7"/>
-  </c:pivotSource>
-  <c:chart>
-    <c:title>
-      <c:tx>
-        <c:rich>
-          <a:bodyPr/>
-          <a:lstStyle/>
-          <a:p>
-            <a:pPr>
-              <a:defRPr/>
-            </a:pPr>
-            <a:r>
-              <a:rPr lang="en-IN"/>
-              <a:t>EMPLOYEE PERFORMANCE ANALYSIS</a:t>
-            </a:r>
-          </a:p>
-        </c:rich>
-      </c:tx>
-      <c:layout>
-        <c:manualLayout>
-          <c:xMode val="edge"/>
-          <c:yMode val="edge"/>
-          <c:x val="0.25001488919628678"/>
-          <c:y val="4.289925297799313E-2"/>
-        </c:manualLayout>
-      </c:layout>
-      <c:overlay val="0"/>
-    </c:title>
-    <c:autoTitleDeleted val="0"/>
-    <c:pivotFmts>
-      <c:pivotFmt>
-        <c:idx val="0"/>
-        <c:marker>
-          <c:symbol val="none"/>
-        </c:marker>
-      </c:pivotFmt>
-      <c:pivotFmt>
-        <c:idx val="1"/>
-        <c:marker>
-          <c:symbol val="none"/>
-        </c:marker>
-      </c:pivotFmt>
-      <c:pivotFmt>
-        <c:idx val="2"/>
-        <c:marker>
-          <c:symbol val="none"/>
-        </c:marker>
-      </c:pivotFmt>
-      <c:pivotFmt>
-        <c:idx val="3"/>
-        <c:marker>
-          <c:symbol val="none"/>
-        </c:marker>
-      </c:pivotFmt>
-      <c:pivotFmt>
-        <c:idx val="4"/>
-        <c:marker>
-          <c:symbol val="none"/>
-        </c:marker>
-      </c:pivotFmt>
-      <c:pivotFmt>
-        <c:idx val="5"/>
-        <c:marker>
-          <c:symbol val="none"/>
-        </c:marker>
-      </c:pivotFmt>
-      <c:pivotFmt>
-        <c:idx val="6"/>
-        <c:marker>
-          <c:symbol val="none"/>
-        </c:marker>
-      </c:pivotFmt>
-      <c:pivotFmt>
-        <c:idx val="7"/>
-        <c:marker>
-          <c:symbol val="none"/>
-        </c:marker>
-      </c:pivotFmt>
-      <c:pivotFmt>
-        <c:idx val="8"/>
-        <c:marker>
-          <c:symbol val="none"/>
-        </c:marker>
-      </c:pivotFmt>
-      <c:pivotFmt>
-        <c:idx val="9"/>
-        <c:marker>
-          <c:symbol val="none"/>
-        </c:marker>
-      </c:pivotFmt>
-      <c:pivotFmt>
-        <c:idx val="10"/>
-        <c:marker>
-          <c:symbol val="none"/>
-        </c:marker>
-      </c:pivotFmt>
-      <c:pivotFmt>
-        <c:idx val="11"/>
-        <c:marker>
-          <c:symbol val="none"/>
-        </c:marker>
-      </c:pivotFmt>
-      <c:pivotFmt>
-        <c:idx val="12"/>
-        <c:marker>
-          <c:symbol val="none"/>
-        </c:marker>
-      </c:pivotFmt>
-      <c:pivotFmt>
-        <c:idx val="13"/>
-        <c:marker>
-          <c:symbol val="none"/>
-        </c:marker>
-      </c:pivotFmt>
-      <c:pivotFmt>
-        <c:idx val="14"/>
-        <c:marker>
-          <c:symbol val="none"/>
-        </c:marker>
-      </c:pivotFmt>
-    </c:pivotFmts>
-    <c:plotArea>
-      <c:layout>
-        <c:manualLayout>
-          <c:layoutTarget val="inner"/>
-          <c:xMode val="edge"/>
-          <c:yMode val="edge"/>
-          <c:x val="5.5261472747794353E-2"/>
-          <c:y val="0.20175143119517008"/>
-          <c:w val="0.79946877274013706"/>
-          <c:h val="0.52798707853825966"/>
-        </c:manualLayout>
-      </c:layout>
-      <c:barChart>
-        <c:barDir val="col"/>
-        <c:grouping val="clustered"/>
-        <c:varyColors val="0"/>
-        <c:ser>
-          <c:idx val="0"/>
-          <c:order val="0"/>
-          <c:tx>
-            <c:strRef>
-              <c:f>'sheet 2'!$B$3:$B$4</c:f>
-              <c:strCache>
-                <c:ptCount val="1"/>
-                <c:pt idx="0">
-                  <c:v>average</c:v>
-                </c:pt>
-              </c:strCache>
-            </c:strRef>
-          </c:tx>
-          <c:invertIfNegative val="0"/>
-          <c:cat>
-            <c:strRef>
-              <c:f>'sheet 2'!$A$5:$A$18</c:f>
-              <c:strCache>
-                <c:ptCount val="13"/>
-                <c:pt idx="0">
-                  <c:v>Accounting</c:v>
-                </c:pt>
-                <c:pt idx="1">
-                  <c:v>Business Development</c:v>
-                </c:pt>
-                <c:pt idx="2">
-                  <c:v>Engineering</c:v>
-                </c:pt>
-                <c:pt idx="3">
-                  <c:v>Human Resources</c:v>
-                </c:pt>
-                <c:pt idx="4">
-                  <c:v>Legal</c:v>
-                </c:pt>
-                <c:pt idx="5">
-                  <c:v>Marketing</c:v>
-                </c:pt>
-                <c:pt idx="6">
-                  <c:v>NULL</c:v>
-                </c:pt>
-                <c:pt idx="7">
-                  <c:v>Product Management</c:v>
-                </c:pt>
-                <c:pt idx="8">
-                  <c:v>Research and Development</c:v>
-                </c:pt>
-                <c:pt idx="9">
-                  <c:v>Sales</c:v>
-                </c:pt>
-                <c:pt idx="10">
-                  <c:v>Services</c:v>
-                </c:pt>
-                <c:pt idx="11">
-                  <c:v>Support</c:v>
-                </c:pt>
-                <c:pt idx="12">
-                  <c:v>Training</c:v>
-                </c:pt>
-              </c:strCache>
-            </c:strRef>
-          </c:cat>
-          <c:val>
-            <c:numRef>
-              <c:f>'sheet 2'!$B$5:$B$18</c:f>
-              <c:numCache>
-                <c:formatCode>General</c:formatCode>
-                <c:ptCount val="13"/>
-                <c:pt idx="0">
-                  <c:v>1</c:v>
-                </c:pt>
-                <c:pt idx="1">
-                  <c:v>4</c:v>
-                </c:pt>
-                <c:pt idx="2">
-                  <c:v>4</c:v>
-                </c:pt>
-                <c:pt idx="3">
-                  <c:v>1</c:v>
-                </c:pt>
-                <c:pt idx="4">
-                  <c:v>1</c:v>
-                </c:pt>
-                <c:pt idx="5">
-                  <c:v>1</c:v>
-                </c:pt>
-                <c:pt idx="6">
-                  <c:v>1</c:v>
-                </c:pt>
-                <c:pt idx="7">
-                  <c:v>4</c:v>
-                </c:pt>
-                <c:pt idx="8">
-                  <c:v>1</c:v>
-                </c:pt>
-                <c:pt idx="9">
-                  <c:v>1</c:v>
-                </c:pt>
-                <c:pt idx="10">
-                  <c:v>1</c:v>
-                </c:pt>
-                <c:pt idx="11">
-                  <c:v>1</c:v>
-                </c:pt>
-              </c:numCache>
-            </c:numRef>
-          </c:val>
-          <c:extLst>
-            <c:ext xmlns:c16="http://schemas.microsoft.com/office/drawing/2014/chart" uri="{C3380CC4-5D6E-409C-BE32-E72D297353CC}">
-              <c16:uniqueId val="{00000000-129A-4448-B5EE-848D6D226415}"/>
-            </c:ext>
-          </c:extLst>
-        </c:ser>
-        <c:ser>
-          <c:idx val="2"/>
-          <c:order val="2"/>
-          <c:tx>
-            <c:strRef>
-              <c:f>'sheet 2'!$D$3:$D$4</c:f>
-              <c:strCache>
-                <c:ptCount val="1"/>
-                <c:pt idx="0">
-                  <c:v>low</c:v>
-                </c:pt>
-              </c:strCache>
-            </c:strRef>
-          </c:tx>
-          <c:invertIfNegative val="0"/>
-          <c:cat>
-            <c:strRef>
-              <c:f>'sheet 2'!$A$5:$A$18</c:f>
-              <c:strCache>
-                <c:ptCount val="13"/>
-                <c:pt idx="0">
-                  <c:v>Accounting</c:v>
-                </c:pt>
-                <c:pt idx="1">
-                  <c:v>Business Development</c:v>
-                </c:pt>
-                <c:pt idx="2">
-                  <c:v>Engineering</c:v>
-                </c:pt>
-                <c:pt idx="3">
-                  <c:v>Human Resources</c:v>
-                </c:pt>
-                <c:pt idx="4">
-                  <c:v>Legal</c:v>
-                </c:pt>
-                <c:pt idx="5">
-                  <c:v>Marketing</c:v>
-                </c:pt>
-                <c:pt idx="6">
-                  <c:v>NULL</c:v>
-                </c:pt>
-                <c:pt idx="7">
-                  <c:v>Product Management</c:v>
-                </c:pt>
-                <c:pt idx="8">
-                  <c:v>Research and Development</c:v>
-                </c:pt>
-                <c:pt idx="9">
-                  <c:v>Sales</c:v>
-                </c:pt>
-                <c:pt idx="10">
-                  <c:v>Services</c:v>
-                </c:pt>
-                <c:pt idx="11">
-                  <c:v>Support</c:v>
-                </c:pt>
-                <c:pt idx="12">
-                  <c:v>Training</c:v>
-                </c:pt>
-              </c:strCache>
-            </c:strRef>
-          </c:cat>
-          <c:val>
-            <c:numRef>
-              <c:f>'sheet 2'!$D$5:$D$18</c:f>
-              <c:numCache>
-                <c:formatCode>General</c:formatCode>
-                <c:ptCount val="13"/>
-                <c:pt idx="0">
-                  <c:v>4</c:v>
-                </c:pt>
-                <c:pt idx="1">
-                  <c:v>4</c:v>
-                </c:pt>
-                <c:pt idx="2">
-                  <c:v>2</c:v>
-                </c:pt>
-                <c:pt idx="3">
-                  <c:v>1</c:v>
-                </c:pt>
-                <c:pt idx="4">
-                  <c:v>4</c:v>
-                </c:pt>
-                <c:pt idx="5">
-                  <c:v>1</c:v>
-                </c:pt>
-                <c:pt idx="6">
-                  <c:v>1</c:v>
-                </c:pt>
-                <c:pt idx="7">
-                  <c:v>4</c:v>
-                </c:pt>
-                <c:pt idx="8">
-                  <c:v>6</c:v>
-                </c:pt>
-                <c:pt idx="9">
-                  <c:v>1</c:v>
-                </c:pt>
-                <c:pt idx="10">
-                  <c:v>5</c:v>
-                </c:pt>
-                <c:pt idx="11">
-                  <c:v>2</c:v>
-                </c:pt>
-                <c:pt idx="12">
-                  <c:v>8</c:v>
-                </c:pt>
-              </c:numCache>
-            </c:numRef>
-          </c:val>
-          <c:extLst>
-            <c:ext xmlns:c16="http://schemas.microsoft.com/office/drawing/2014/chart" uri="{C3380CC4-5D6E-409C-BE32-E72D297353CC}">
-              <c16:uniqueId val="{00000001-129A-4448-B5EE-848D6D226415}"/>
-            </c:ext>
-          </c:extLst>
-        </c:ser>
-        <c:ser>
-          <c:idx val="3"/>
-          <c:order val="3"/>
-          <c:tx>
-            <c:strRef>
-              <c:f>'sheet 2'!$E$3:$E$4</c:f>
-              <c:strCache>
-                <c:ptCount val="1"/>
-                <c:pt idx="0">
-                  <c:v>medium</c:v>
-                </c:pt>
-              </c:strCache>
-            </c:strRef>
-          </c:tx>
-          <c:invertIfNegative val="0"/>
-          <c:cat>
-            <c:strRef>
-              <c:f>'sheet 2'!$A$5:$A$18</c:f>
-              <c:strCache>
-                <c:ptCount val="13"/>
-                <c:pt idx="0">
-                  <c:v>Accounting</c:v>
-                </c:pt>
-                <c:pt idx="1">
-                  <c:v>Business Development</c:v>
-                </c:pt>
-                <c:pt idx="2">
-                  <c:v>Engineering</c:v>
-                </c:pt>
-                <c:pt idx="3">
-                  <c:v>Human Resources</c:v>
-                </c:pt>
-                <c:pt idx="4">
-                  <c:v>Legal</c:v>
-                </c:pt>
-                <c:pt idx="5">
-                  <c:v>Marketing</c:v>
-                </c:pt>
-                <c:pt idx="6">
-                  <c:v>NULL</c:v>
-                </c:pt>
-                <c:pt idx="7">
-                  <c:v>Product Management</c:v>
-                </c:pt>
-                <c:pt idx="8">
-                  <c:v>Research and Development</c:v>
-                </c:pt>
-                <c:pt idx="9">
-                  <c:v>Sales</c:v>
-                </c:pt>
-                <c:pt idx="10">
-                  <c:v>Services</c:v>
-                </c:pt>
-                <c:pt idx="11">
-                  <c:v>Support</c:v>
-                </c:pt>
-                <c:pt idx="12">
-                  <c:v>Training</c:v>
-                </c:pt>
-              </c:strCache>
-            </c:strRef>
-          </c:cat>
-          <c:val>
-            <c:numRef>
-              <c:f>'sheet 2'!$E$5:$E$18</c:f>
-              <c:numCache>
-                <c:formatCode>General</c:formatCode>
-                <c:ptCount val="13"/>
-                <c:pt idx="0">
-                  <c:v>8</c:v>
-                </c:pt>
-                <c:pt idx="1">
-                  <c:v>6</c:v>
-                </c:pt>
-                <c:pt idx="3">
-                  <c:v>2</c:v>
-                </c:pt>
-                <c:pt idx="4">
-                  <c:v>5</c:v>
-                </c:pt>
-                <c:pt idx="5">
-                  <c:v>4</c:v>
-                </c:pt>
-                <c:pt idx="6">
-                  <c:v>2</c:v>
-                </c:pt>
-                <c:pt idx="7">
-                  <c:v>3</c:v>
-                </c:pt>
-                <c:pt idx="8">
-                  <c:v>4</c:v>
-                </c:pt>
-                <c:pt idx="9">
-                  <c:v>3</c:v>
-                </c:pt>
-                <c:pt idx="10">
-                  <c:v>4</c:v>
-                </c:pt>
-                <c:pt idx="11">
-                  <c:v>6</c:v>
-                </c:pt>
-                <c:pt idx="12">
-                  <c:v>8</c:v>
-                </c:pt>
-              </c:numCache>
-            </c:numRef>
-          </c:val>
-          <c:extLst>
-            <c:ext xmlns:c16="http://schemas.microsoft.com/office/drawing/2014/chart" uri="{C3380CC4-5D6E-409C-BE32-E72D297353CC}">
-              <c16:uniqueId val="{00000002-129A-4448-B5EE-848D6D226415}"/>
-            </c:ext>
-          </c:extLst>
-        </c:ser>
-        <c:ser>
-          <c:idx val="4"/>
-          <c:order val="4"/>
-          <c:tx>
-            <c:strRef>
-              <c:f>'sheet 2'!$F$3:$F$4</c:f>
-              <c:strCache>
-                <c:ptCount val="1"/>
-                <c:pt idx="0">
-                  <c:v>very high</c:v>
-                </c:pt>
-              </c:strCache>
-            </c:strRef>
-          </c:tx>
-          <c:invertIfNegative val="0"/>
-          <c:cat>
-            <c:strRef>
-              <c:f>'sheet 2'!$A$5:$A$18</c:f>
-              <c:strCache>
-                <c:ptCount val="13"/>
-                <c:pt idx="0">
-                  <c:v>Accounting</c:v>
-                </c:pt>
-                <c:pt idx="1">
-                  <c:v>Business Development</c:v>
-                </c:pt>
-                <c:pt idx="2">
-                  <c:v>Engineering</c:v>
-                </c:pt>
-                <c:pt idx="3">
-                  <c:v>Human Resources</c:v>
-                </c:pt>
-                <c:pt idx="4">
-                  <c:v>Legal</c:v>
-                </c:pt>
-                <c:pt idx="5">
-                  <c:v>Marketing</c:v>
-                </c:pt>
-                <c:pt idx="6">
-                  <c:v>NULL</c:v>
-                </c:pt>
-                <c:pt idx="7">
-                  <c:v>Product Management</c:v>
-                </c:pt>
-                <c:pt idx="8">
-                  <c:v>Research and Development</c:v>
-                </c:pt>
-                <c:pt idx="9">
-                  <c:v>Sales</c:v>
-                </c:pt>
-                <c:pt idx="10">
-                  <c:v>Services</c:v>
-                </c:pt>
-                <c:pt idx="11">
-                  <c:v>Support</c:v>
-                </c:pt>
-                <c:pt idx="12">
-                  <c:v>Training</c:v>
-                </c:pt>
-              </c:strCache>
-            </c:strRef>
-          </c:cat>
-          <c:val>
-            <c:numRef>
-              <c:f>'sheet 2'!$F$5:$F$18</c:f>
-              <c:numCache>
-                <c:formatCode>General</c:formatCode>
-                <c:ptCount val="13"/>
-                <c:pt idx="0">
-                  <c:v>3</c:v>
-                </c:pt>
-                <c:pt idx="1">
-                  <c:v>2</c:v>
-                </c:pt>
-                <c:pt idx="2">
-                  <c:v>4</c:v>
-                </c:pt>
-                <c:pt idx="3">
-                  <c:v>4</c:v>
-                </c:pt>
-                <c:pt idx="4">
-                  <c:v>6</c:v>
-                </c:pt>
-                <c:pt idx="5">
-                  <c:v>2</c:v>
-                </c:pt>
-                <c:pt idx="6">
-                  <c:v>3</c:v>
-                </c:pt>
-                <c:pt idx="7">
-                  <c:v>5</c:v>
-                </c:pt>
-                <c:pt idx="8">
-                  <c:v>2</c:v>
-                </c:pt>
-                <c:pt idx="9">
-                  <c:v>3</c:v>
-                </c:pt>
-                <c:pt idx="10">
-                  <c:v>3</c:v>
-                </c:pt>
-                <c:pt idx="11">
-                  <c:v>4</c:v>
-                </c:pt>
-                <c:pt idx="12">
-                  <c:v>2</c:v>
-                </c:pt>
-              </c:numCache>
-            </c:numRef>
-          </c:val>
-          <c:extLst>
-            <c:ext xmlns:c16="http://schemas.microsoft.com/office/drawing/2014/chart" uri="{C3380CC4-5D6E-409C-BE32-E72D297353CC}">
-              <c16:uniqueId val="{00000003-129A-4448-B5EE-848D6D226415}"/>
-            </c:ext>
-          </c:extLst>
-        </c:ser>
-        <c:ser>
-          <c:idx val="1"/>
-          <c:order val="1"/>
-          <c:tx>
-            <c:strRef>
-              <c:f>'sheet 2'!$C$3:$C$4</c:f>
-              <c:strCache>
-                <c:ptCount val="1"/>
-                <c:pt idx="0">
-                  <c:v>high</c:v>
-                </c:pt>
-              </c:strCache>
-            </c:strRef>
-          </c:tx>
-          <c:invertIfNegative val="0"/>
-          <c:cat>
-            <c:strRef>
-              <c:f>'sheet 2'!$A$5:$A$18</c:f>
-              <c:strCache>
-                <c:ptCount val="13"/>
-                <c:pt idx="0">
-                  <c:v>Accounting</c:v>
-                </c:pt>
-                <c:pt idx="1">
-                  <c:v>Business Development</c:v>
-                </c:pt>
-                <c:pt idx="2">
-                  <c:v>Engineering</c:v>
-                </c:pt>
-                <c:pt idx="3">
-                  <c:v>Human Resources</c:v>
-                </c:pt>
-                <c:pt idx="4">
-                  <c:v>Legal</c:v>
-                </c:pt>
-                <c:pt idx="5">
-                  <c:v>Marketing</c:v>
-                </c:pt>
-                <c:pt idx="6">
-                  <c:v>NULL</c:v>
-                </c:pt>
-                <c:pt idx="7">
-                  <c:v>Product Management</c:v>
-                </c:pt>
-                <c:pt idx="8">
-                  <c:v>Research and Development</c:v>
-                </c:pt>
-                <c:pt idx="9">
-                  <c:v>Sales</c:v>
-                </c:pt>
-                <c:pt idx="10">
-                  <c:v>Services</c:v>
-                </c:pt>
-                <c:pt idx="11">
-                  <c:v>Support</c:v>
-                </c:pt>
-                <c:pt idx="12">
-                  <c:v>Training</c:v>
-                </c:pt>
-              </c:strCache>
-            </c:strRef>
-          </c:cat>
-          <c:val>
-            <c:numRef>
-              <c:f>'sheet 2'!$C$5:$C$18</c:f>
-              <c:numCache>
-                <c:formatCode>General</c:formatCode>
-                <c:ptCount val="13"/>
-                <c:pt idx="0">
-                  <c:v>4</c:v>
-                </c:pt>
-                <c:pt idx="1">
-                  <c:v>5</c:v>
-                </c:pt>
-                <c:pt idx="2">
-                  <c:v>3</c:v>
-                </c:pt>
-                <c:pt idx="3">
-                  <c:v>4</c:v>
-                </c:pt>
-                <c:pt idx="4">
-                  <c:v>2</c:v>
-                </c:pt>
-                <c:pt idx="5">
-                  <c:v>2</c:v>
-                </c:pt>
-                <c:pt idx="6">
-                  <c:v>1</c:v>
-                </c:pt>
-                <c:pt idx="7">
-                  <c:v>2</c:v>
-                </c:pt>
-                <c:pt idx="8">
-                  <c:v>2</c:v>
-                </c:pt>
-                <c:pt idx="9">
-                  <c:v>1</c:v>
-                </c:pt>
-                <c:pt idx="10">
-                  <c:v>3</c:v>
-                </c:pt>
-                <c:pt idx="11">
-                  <c:v>4</c:v>
-                </c:pt>
-                <c:pt idx="12">
-                  <c:v>1</c:v>
-                </c:pt>
-              </c:numCache>
-            </c:numRef>
-          </c:val>
-          <c:extLst>
-            <c:ext xmlns:c16="http://schemas.microsoft.com/office/drawing/2014/chart" uri="{C3380CC4-5D6E-409C-BE32-E72D297353CC}">
-              <c16:uniqueId val="{00000004-129A-4448-B5EE-848D6D226415}"/>
-            </c:ext>
-          </c:extLst>
-        </c:ser>
-        <c:dLbls>
-          <c:showLegendKey val="0"/>
-          <c:showVal val="0"/>
-          <c:showCatName val="0"/>
-          <c:showSerName val="0"/>
-          <c:showPercent val="0"/>
-          <c:showBubbleSize val="0"/>
-        </c:dLbls>
-        <c:gapWidth val="55"/>
-        <c:axId val="102028416"/>
-        <c:axId val="102029952"/>
-      </c:barChart>
-      <c:catAx>
-        <c:axId val="102028416"/>
-        <c:scaling>
-          <c:orientation val="minMax"/>
-        </c:scaling>
-        <c:delete val="0"/>
-        <c:axPos val="b"/>
-        <c:numFmt formatCode="General" sourceLinked="0"/>
-        <c:majorTickMark val="none"/>
-        <c:minorTickMark val="none"/>
-        <c:tickLblPos val="nextTo"/>
-        <c:crossAx val="102029952"/>
-        <c:crosses val="autoZero"/>
-        <c:auto val="1"/>
-        <c:lblAlgn val="ctr"/>
-        <c:lblOffset val="100"/>
-        <c:noMultiLvlLbl val="0"/>
-      </c:catAx>
-      <c:valAx>
-        <c:axId val="102029952"/>
-        <c:scaling>
-          <c:orientation val="minMax"/>
-        </c:scaling>
-        <c:delete val="0"/>
-        <c:axPos val="l"/>
-        <c:majorGridlines/>
-        <c:numFmt formatCode="General" sourceLinked="1"/>
-        <c:majorTickMark val="none"/>
-        <c:minorTickMark val="none"/>
-        <c:tickLblPos val="nextTo"/>
-        <c:crossAx val="102028416"/>
-        <c:crosses val="autoZero"/>
-        <c:crossBetween val="between"/>
-      </c:valAx>
-    </c:plotArea>
-    <c:legend>
-      <c:legendPos val="r"/>
-      <c:overlay val="0"/>
-    </c:legend>
-    <c:plotVisOnly val="1"/>
-    <c:dispBlanksAs val="gap"/>
-    <c:showDLblsOverMax val="0"/>
-  </c:chart>
-  <c:spPr>
-    <a:gradFill rotWithShape="1">
-      <a:gsLst>
-        <a:gs pos="0">
-          <a:schemeClr val="accent1">
-            <a:shade val="51000"/>
-            <a:satMod val="130000"/>
-          </a:schemeClr>
-        </a:gs>
-        <a:gs pos="80000">
-          <a:schemeClr val="accent1">
-            <a:shade val="93000"/>
-            <a:satMod val="130000"/>
-          </a:schemeClr>
-        </a:gs>
-        <a:gs pos="100000">
-          <a:schemeClr val="accent1">
-            <a:shade val="94000"/>
-            <a:satMod val="135000"/>
-          </a:schemeClr>
-        </a:gs>
-      </a:gsLst>
-      <a:lin ang="16200000" scaled="0"/>
-    </a:gradFill>
-    <a:ln>
-      <a:noFill/>
-    </a:ln>
-    <a:effectLst>
-      <a:outerShdw blurRad="40000" dist="23000" dir="5400000" rotWithShape="0">
-        <a:srgbClr val="000000">
-          <a:alpha val="35000"/>
-        </a:srgbClr>
-      </a:outerShdw>
-    </a:effectLst>
-    <a:scene3d>
-      <a:camera prst="orthographicFront">
-        <a:rot lat="0" lon="0" rev="0"/>
-      </a:camera>
-      <a:lightRig rig="threePt" dir="t">
-        <a:rot lat="0" lon="0" rev="1200000"/>
-      </a:lightRig>
-    </a:scene3d>
-    <a:sp3d>
-      <a:bevelT w="63500" h="25400"/>
-    </a:sp3d>
-  </c:spPr>
-  <c:txPr>
-    <a:bodyPr/>
-    <a:lstStyle/>
-    <a:p>
-      <a:pPr>
-        <a:defRPr>
-          <a:solidFill>
-            <a:schemeClr val="lt1"/>
-          </a:solidFill>
-          <a:latin typeface="+mn-lt"/>
-          <a:ea typeface="+mn-ea"/>
-          <a:cs typeface="+mn-cs"/>
-        </a:defRPr>
-      </a:pPr>
-      <a:endParaRPr lang="en-US"/>
-    </a:p>
-  </c:txPr>
-  <c:externalData r:id="rId1">
-    <c:autoUpdate val="0"/>
-  </c:externalData>
-  <c:extLst>
-    <c:ext xmlns:c14="http://schemas.microsoft.com/office/drawing/2007/8/2/chart" uri="{781A3756-C4B2-4CAC-9D66-4F8BD8637D16}">
-      <c14:pivotOptions>
-        <c14:dropZoneFilter val="1"/>
-        <c14:dropZoneCategories val="1"/>
-        <c14:dropZoneData val="1"/>
-        <c14:dropZoneSeries val="1"/>
-        <c14:dropZonesVisible val="1"/>
-      </c14:pivotOptions>
-    </c:ext>
-  </c:extLst>
-</c:chartSpace>
-</file>
-
 <file path=ppt/notesMasters/notesMaster1.xml><?xml version="1.0" encoding="utf-8"?>
 <p:notesMaster xmlns:a="http://schemas.openxmlformats.org/drawingml/2006/main" xmlns:r="http://schemas.openxmlformats.org/officeDocument/2006/relationships" xmlns:p="http://schemas.openxmlformats.org/presentationml/2006/main">
   <p:cSld>
@@ -1112,7 +250,7 @@
           <a:p>
             <a:fld id="{84B86612-B127-4CD0-BF15-66D49A7175F7}" type="datetimeFigureOut">
               <a:rPr lang="en-IN" smtClean="0"/>
-              <a:t>30-08-2024</a:t>
+              <a:t>07-09-2024</a:t>
             </a:fld>
             <a:endParaRPr lang="en-IN"/>
           </a:p>
@@ -1777,7 +915,7 @@
           <a:p>
             <a:fld id="{1D8BD707-D9CF-40AE-B4C6-C98DA3205C09}" type="datetimeFigureOut">
               <a:rPr lang="en-US"/>
-              <a:t>8/30/2024</a:t>
+              <a:t>9/7/2024</a:t>
             </a:fld>
             <a:endParaRPr lang="en-US"/>
           </a:p>
@@ -1957,7 +1095,7 @@
           <a:p>
             <a:fld id="{1D8BD707-D9CF-40AE-B4C6-C98DA3205C09}" type="datetimeFigureOut">
               <a:rPr lang="en-US"/>
-              <a:t>8/30/2024</a:t>
+              <a:t>9/7/2024</a:t>
             </a:fld>
             <a:endParaRPr lang="en-US"/>
           </a:p>
@@ -2180,7 +1318,7 @@
           <a:p>
             <a:fld id="{1D8BD707-D9CF-40AE-B4C6-C98DA3205C09}" type="datetimeFigureOut">
               <a:rPr lang="en-US"/>
-              <a:t>8/30/2024</a:t>
+              <a:t>9/7/2024</a:t>
             </a:fld>
             <a:endParaRPr lang="en-US"/>
           </a:p>
@@ -2337,7 +1475,7 @@
           <a:p>
             <a:fld id="{1D8BD707-D9CF-40AE-B4C6-C98DA3205C09}" type="datetimeFigureOut">
               <a:rPr lang="en-US"/>
-              <a:t>8/30/2024</a:t>
+              <a:t>9/7/2024</a:t>
             </a:fld>
             <a:endParaRPr lang="en-US"/>
           </a:p>
@@ -2465,7 +1603,7 @@
           <a:p>
             <a:fld id="{1D8BD707-D9CF-40AE-B4C6-C98DA3205C09}" type="datetimeFigureOut">
               <a:rPr lang="en-US"/>
-              <a:t>8/30/2024</a:t>
+              <a:t>9/7/2024</a:t>
             </a:fld>
             <a:endParaRPr lang="en-US"/>
           </a:p>
@@ -3184,7 +2322,7 @@
           <a:p>
             <a:fld id="{1D8BD707-D9CF-40AE-B4C6-C98DA3205C09}" type="datetimeFigureOut">
               <a:rPr lang="en-US"/>
-              <a:t>8/30/2024</a:t>
+              <a:t>9/7/2024</a:t>
             </a:fld>
             <a:endParaRPr lang="en-US"/>
           </a:p>
@@ -5201,30 +4339,61 @@
           </a:p>
         </p:txBody>
       </p:sp>
-      <p:graphicFrame>
-        <p:nvGraphicFramePr>
-          <p:cNvPr id="8" name="Chart 7" descr="NO"/>
-          <p:cNvGraphicFramePr>
-            <a:graphicFrameLocks/>
-          </p:cNvGraphicFramePr>
-          <p:nvPr>
-            <p:extLst>
-              <p:ext uri="{D42A27DB-BD31-4B8C-83A1-F6EECF244321}">
-                <p14:modId xmlns:p14="http://schemas.microsoft.com/office/powerpoint/2010/main" val="699886230"/>
-              </p:ext>
-            </p:extLst>
-          </p:nvPr>
-        </p:nvGraphicFramePr>
-        <p:xfrm>
-          <a:off x="533400" y="1295400"/>
-          <a:ext cx="8610600" cy="4691062"/>
-        </p:xfrm>
-        <a:graphic>
-          <a:graphicData uri="http://schemas.openxmlformats.org/drawingml/2006/chart">
-            <c:chart xmlns:c="http://schemas.openxmlformats.org/drawingml/2006/chart" xmlns:r="http://schemas.openxmlformats.org/officeDocument/2006/relationships" r:id="rId3"/>
-          </a:graphicData>
-        </a:graphic>
-      </p:graphicFrame>
+      <p:sp>
+        <p:nvSpPr>
+          <p:cNvPr id="2" name="Rectangle 1">
+            <a:extLst>
+              <a:ext uri="{FF2B5EF4-FFF2-40B4-BE49-F238E27FC236}">
+                <a16:creationId xmlns:a16="http://schemas.microsoft.com/office/drawing/2014/main" id="{E2EE8FFA-9DCA-0628-FA2C-FF0E62396305}"/>
+              </a:ext>
+            </a:extLst>
+          </p:cNvPr>
+          <p:cNvSpPr/>
+          <p:nvPr/>
+        </p:nvSpPr>
+        <p:spPr>
+          <a:xfrm>
+            <a:off x="990600" y="1523999"/>
+            <a:ext cx="8458200" cy="4371975"/>
+          </a:xfrm>
+          <a:prstGeom prst="rect">
+            <a:avLst/>
+          </a:prstGeom>
+          <a:blipFill>
+            <a:blip r:embed="rId3"/>
+            <a:stretch>
+              <a:fillRect/>
+            </a:stretch>
+          </a:blipFill>
+          <a:ln>
+            <a:noFill/>
+          </a:ln>
+        </p:spPr>
+        <p:style>
+          <a:lnRef idx="2">
+            <a:schemeClr val="accent1">
+              <a:shade val="15000"/>
+            </a:schemeClr>
+          </a:lnRef>
+          <a:fillRef idx="1">
+            <a:schemeClr val="accent1"/>
+          </a:fillRef>
+          <a:effectRef idx="0">
+            <a:schemeClr val="accent1"/>
+          </a:effectRef>
+          <a:fontRef idx="minor">
+            <a:schemeClr val="lt1"/>
+          </a:fontRef>
+        </p:style>
+        <p:txBody>
+          <a:bodyPr rtlCol="0" anchor="ctr"/>
+          <a:lstStyle/>
+          <a:p>
+            <a:pPr algn="ctr"/>
+            <a:endParaRPr lang="en-US" dirty="0"/>
+          </a:p>
+        </p:txBody>
+      </p:sp>
     </p:spTree>
     <p:extLst>
       <p:ext uri="{BB962C8B-B14F-4D97-AF65-F5344CB8AC3E}">
